--- a/Results/Clustering/Clustering_results.pptx
+++ b/Results/Clustering/Clustering_results.pptx
@@ -11,10 +11,10 @@
     <p:sldId id="260" r:id="rId5"/>
     <p:sldId id="261" r:id="rId6"/>
     <p:sldId id="262" r:id="rId7"/>
-    <p:sldId id="259" r:id="rId8"/>
-    <p:sldId id="265" r:id="rId9"/>
-    <p:sldId id="267" r:id="rId10"/>
-    <p:sldId id="266" r:id="rId11"/>
+    <p:sldId id="265" r:id="rId8"/>
+    <p:sldId id="267" r:id="rId9"/>
+    <p:sldId id="266" r:id="rId10"/>
+    <p:sldId id="259" r:id="rId11"/>
     <p:sldId id="263" r:id="rId12"/>
     <p:sldId id="264" r:id="rId13"/>
   </p:sldIdLst>
@@ -3441,7 +3441,7 @@
           <p:cNvPr id="2" name="Title 1">
             <a:extLst>
               <a:ext uri="{FF2B5EF4-FFF2-40B4-BE49-F238E27FC236}">
-                <a16:creationId xmlns:a16="http://schemas.microsoft.com/office/drawing/2014/main" id="{41283D31-6117-C745-9815-23B369E4DE8C}"/>
+                <a16:creationId xmlns:a16="http://schemas.microsoft.com/office/drawing/2014/main" id="{4E4E9489-5F25-F54A-AAA0-7488FD4C8610}"/>
               </a:ext>
             </a:extLst>
           </p:cNvPr>
@@ -3452,57 +3452,108 @@
             <p:ph type="title"/>
           </p:nvPr>
         </p:nvSpPr>
-        <p:spPr>
-          <a:xfrm>
-            <a:off x="838200" y="-236758"/>
-            <a:ext cx="10515600" cy="1325563"/>
-          </a:xfrm>
-        </p:spPr>
+        <p:spPr/>
         <p:txBody>
           <a:bodyPr/>
           <a:lstStyle/>
           <a:p>
             <a:r>
               <a:rPr lang="en-NL" dirty="0"/>
-              <a:t>Cluster-wise user distribution</a:t>
-            </a:r>
-          </a:p>
-        </p:txBody>
-      </p:sp>
-      <p:pic>
-        <p:nvPicPr>
-          <p:cNvPr id="4" name="Picture 3">
-            <a:extLst>
-              <a:ext uri="{FF2B5EF4-FFF2-40B4-BE49-F238E27FC236}">
-                <a16:creationId xmlns:a16="http://schemas.microsoft.com/office/drawing/2014/main" id="{7ECCD284-1429-BC44-A54E-CD1BF0B60560}"/>
-              </a:ext>
-            </a:extLst>
-          </p:cNvPr>
-          <p:cNvPicPr>
-            <a:picLocks noChangeAspect="1"/>
-          </p:cNvPicPr>
-          <p:nvPr/>
-        </p:nvPicPr>
-        <p:blipFill>
-          <a:blip r:embed="rId2"/>
-          <a:stretch>
-            <a:fillRect/>
-          </a:stretch>
-        </p:blipFill>
-        <p:spPr>
-          <a:xfrm>
-            <a:off x="1643605" y="853446"/>
-            <a:ext cx="8079129" cy="6004554"/>
-          </a:xfrm>
-          <a:prstGeom prst="rect">
-            <a:avLst/>
-          </a:prstGeom>
-        </p:spPr>
-      </p:pic>
+              <a:t>Frame-level Analysis</a:t>
+            </a:r>
+          </a:p>
+        </p:txBody>
+      </p:sp>
+      <p:sp>
+        <p:nvSpPr>
+          <p:cNvPr id="5" name="Content Placeholder 4">
+            <a:extLst>
+              <a:ext uri="{FF2B5EF4-FFF2-40B4-BE49-F238E27FC236}">
+                <a16:creationId xmlns:a16="http://schemas.microsoft.com/office/drawing/2014/main" id="{5B8CF5E9-63DD-1B41-A196-6BB240C1C8AC}"/>
+              </a:ext>
+            </a:extLst>
+          </p:cNvPr>
+          <p:cNvSpPr>
+            <a:spLocks noGrp="1"/>
+          </p:cNvSpPr>
+          <p:nvPr>
+            <p:ph idx="1"/>
+          </p:nvPr>
+        </p:nvSpPr>
+        <p:spPr/>
+        <p:txBody>
+          <a:bodyPr/>
+          <a:lstStyle/>
+          <a:p>
+            <a:r>
+              <a:rPr lang="en-NL" dirty="0"/>
+              <a:t>For every segment of the video</a:t>
+            </a:r>
+          </a:p>
+          <a:p>
+            <a:pPr lvl="1"/>
+            <a:endParaRPr lang="en-GB" dirty="0"/>
+          </a:p>
+          <a:p>
+            <a:pPr lvl="1"/>
+            <a:r>
+              <a:rPr lang="en-GB" dirty="0"/>
+              <a:t>C</a:t>
+            </a:r>
+            <a:r>
+              <a:rPr lang="en-NL" dirty="0"/>
+              <a:t>lustering is done based on HM_X, HM_Y, and HM_Z values</a:t>
+            </a:r>
+          </a:p>
+          <a:p>
+            <a:pPr lvl="1"/>
+            <a:endParaRPr lang="en-NL" dirty="0"/>
+          </a:p>
+          <a:p>
+            <a:pPr lvl="1"/>
+            <a:r>
+              <a:rPr lang="en-NL" dirty="0"/>
+              <a:t>Part of the samples (frames, pitch, yaw) of one user can be in </a:t>
+            </a:r>
+            <a:r>
+              <a:rPr lang="en-NL" u="sng" dirty="0"/>
+              <a:t>one cluster</a:t>
+            </a:r>
+            <a:r>
+              <a:rPr lang="en-NL" dirty="0"/>
+              <a:t>, and other samples in </a:t>
+            </a:r>
+            <a:r>
+              <a:rPr lang="en-NL" u="sng" dirty="0"/>
+              <a:t>anothe</a:t>
+            </a:r>
+            <a:r>
+              <a:rPr lang="en-GB" u="sng" dirty="0"/>
+              <a:t>r</a:t>
+            </a:r>
+            <a:r>
+              <a:rPr lang="en-NL" u="sng" dirty="0"/>
+              <a:t> cluster</a:t>
+            </a:r>
+          </a:p>
+          <a:p>
+            <a:pPr lvl="1"/>
+            <a:endParaRPr lang="en-NL" dirty="0"/>
+          </a:p>
+          <a:p>
+            <a:pPr lvl="1"/>
+            <a:endParaRPr lang="en-NL" dirty="0"/>
+          </a:p>
+          <a:p>
+            <a:pPr lvl="1"/>
+            <a:endParaRPr lang="en-NL" dirty="0"/>
+          </a:p>
+        </p:txBody>
+      </p:sp>
     </p:spTree>
     <p:extLst>
       <p:ext uri="{BB962C8B-B14F-4D97-AF65-F5344CB8AC3E}">
-        <p14:creationId xmlns:p14="http://schemas.microsoft.com/office/powerpoint/2010/main" val="176992535"/>
+        <p14:creationId xmlns:p14="http://schemas.microsoft.com/office/powerpoint/2010/main" val="129097375"/>
       </p:ext>
     </p:extLst>
   </p:cSld>
@@ -4042,7 +4093,17 @@
             </a:pPr>
             <a:r>
               <a:rPr lang="en-NL" dirty="0"/>
-              <a:t>CDF plots for K=2,3</a:t>
+              <a:t>CDF plots for K=2,3 for segments</a:t>
+            </a:r>
+          </a:p>
+          <a:p>
+            <a:pPr lvl="2">
+              <a:buFontTx/>
+              <a:buChar char="-"/>
+            </a:pPr>
+            <a:r>
+              <a:rPr lang="en-NL" dirty="0"/>
+              <a:t>Cluster-wise user distribution for segments</a:t>
             </a:r>
           </a:p>
           <a:p>
@@ -4667,150 +4728,6 @@
           <p:cNvPr id="2" name="Title 1">
             <a:extLst>
               <a:ext uri="{FF2B5EF4-FFF2-40B4-BE49-F238E27FC236}">
-                <a16:creationId xmlns:a16="http://schemas.microsoft.com/office/drawing/2014/main" id="{4E4E9489-5F25-F54A-AAA0-7488FD4C8610}"/>
-              </a:ext>
-            </a:extLst>
-          </p:cNvPr>
-          <p:cNvSpPr>
-            <a:spLocks noGrp="1"/>
-          </p:cNvSpPr>
-          <p:nvPr>
-            <p:ph type="title"/>
-          </p:nvPr>
-        </p:nvSpPr>
-        <p:spPr/>
-        <p:txBody>
-          <a:bodyPr/>
-          <a:lstStyle/>
-          <a:p>
-            <a:r>
-              <a:rPr lang="en-NL" dirty="0"/>
-              <a:t>Frame-level Analysis</a:t>
-            </a:r>
-          </a:p>
-        </p:txBody>
-      </p:sp>
-      <p:sp>
-        <p:nvSpPr>
-          <p:cNvPr id="5" name="Content Placeholder 4">
-            <a:extLst>
-              <a:ext uri="{FF2B5EF4-FFF2-40B4-BE49-F238E27FC236}">
-                <a16:creationId xmlns:a16="http://schemas.microsoft.com/office/drawing/2014/main" id="{5B8CF5E9-63DD-1B41-A196-6BB240C1C8AC}"/>
-              </a:ext>
-            </a:extLst>
-          </p:cNvPr>
-          <p:cNvSpPr>
-            <a:spLocks noGrp="1"/>
-          </p:cNvSpPr>
-          <p:nvPr>
-            <p:ph idx="1"/>
-          </p:nvPr>
-        </p:nvSpPr>
-        <p:spPr/>
-        <p:txBody>
-          <a:bodyPr/>
-          <a:lstStyle/>
-          <a:p>
-            <a:r>
-              <a:rPr lang="en-NL" dirty="0"/>
-              <a:t>For every segment of the video</a:t>
-            </a:r>
-          </a:p>
-          <a:p>
-            <a:pPr lvl="1"/>
-            <a:endParaRPr lang="en-GB" dirty="0"/>
-          </a:p>
-          <a:p>
-            <a:pPr lvl="1"/>
-            <a:r>
-              <a:rPr lang="en-GB" dirty="0"/>
-              <a:t>C</a:t>
-            </a:r>
-            <a:r>
-              <a:rPr lang="en-NL" dirty="0"/>
-              <a:t>lustering is done based on HM_X, HM_Y, and HM_Z values</a:t>
-            </a:r>
-          </a:p>
-          <a:p>
-            <a:pPr lvl="1"/>
-            <a:endParaRPr lang="en-NL" dirty="0"/>
-          </a:p>
-          <a:p>
-            <a:pPr lvl="1"/>
-            <a:r>
-              <a:rPr lang="en-NL" dirty="0"/>
-              <a:t>Part of the samples (frames, pitch, yaw) of one user can be in </a:t>
-            </a:r>
-            <a:r>
-              <a:rPr lang="en-NL" u="sng" dirty="0"/>
-              <a:t>one cluster</a:t>
-            </a:r>
-            <a:r>
-              <a:rPr lang="en-NL" dirty="0"/>
-              <a:t>, and other samples in </a:t>
-            </a:r>
-            <a:r>
-              <a:rPr lang="en-NL" u="sng" dirty="0"/>
-              <a:t>anothe</a:t>
-            </a:r>
-            <a:r>
-              <a:rPr lang="en-GB" u="sng" dirty="0"/>
-              <a:t>r</a:t>
-            </a:r>
-            <a:r>
-              <a:rPr lang="en-NL" u="sng" dirty="0"/>
-              <a:t> cluster</a:t>
-            </a:r>
-          </a:p>
-          <a:p>
-            <a:pPr lvl="1"/>
-            <a:endParaRPr lang="en-NL" dirty="0"/>
-          </a:p>
-          <a:p>
-            <a:pPr lvl="1"/>
-            <a:endParaRPr lang="en-NL" dirty="0"/>
-          </a:p>
-          <a:p>
-            <a:pPr lvl="1"/>
-            <a:endParaRPr lang="en-NL" dirty="0"/>
-          </a:p>
-        </p:txBody>
-      </p:sp>
-    </p:spTree>
-    <p:extLst>
-      <p:ext uri="{BB962C8B-B14F-4D97-AF65-F5344CB8AC3E}">
-        <p14:creationId xmlns:p14="http://schemas.microsoft.com/office/powerpoint/2010/main" val="129097375"/>
-      </p:ext>
-    </p:extLst>
-  </p:cSld>
-  <p:clrMapOvr>
-    <a:masterClrMapping/>
-  </p:clrMapOvr>
-</p:sld>
-</file>
-
-<file path=ppt/slides/slide8.xml><?xml version="1.0" encoding="utf-8"?>
-<p:sld xmlns:a="http://schemas.openxmlformats.org/drawingml/2006/main" xmlns:r="http://schemas.openxmlformats.org/officeDocument/2006/relationships" xmlns:p="http://schemas.openxmlformats.org/presentationml/2006/main">
-  <p:cSld>
-    <p:spTree>
-      <p:nvGrpSpPr>
-        <p:cNvPr id="1" name=""/>
-        <p:cNvGrpSpPr/>
-        <p:nvPr/>
-      </p:nvGrpSpPr>
-      <p:grpSpPr>
-        <a:xfrm>
-          <a:off x="0" y="0"/>
-          <a:ext cx="0" cy="0"/>
-          <a:chOff x="0" y="0"/>
-          <a:chExt cx="0" cy="0"/>
-        </a:xfrm>
-      </p:grpSpPr>
-      <p:sp>
-        <p:nvSpPr>
-          <p:cNvPr id="2" name="Title 1">
-            <a:extLst>
-              <a:ext uri="{FF2B5EF4-FFF2-40B4-BE49-F238E27FC236}">
                 <a16:creationId xmlns:a16="http://schemas.microsoft.com/office/drawing/2014/main" id="{41283D31-6117-C745-9815-23B369E4DE8C}"/>
               </a:ext>
             </a:extLst>
@@ -4882,7 +4799,7 @@
 </p:sld>
 </file>
 
-<file path=ppt/slides/slide9.xml><?xml version="1.0" encoding="utf-8"?>
+<file path=ppt/slides/slide8.xml><?xml version="1.0" encoding="utf-8"?>
 <p:sld xmlns:a="http://schemas.openxmlformats.org/drawingml/2006/main" xmlns:r="http://schemas.openxmlformats.org/officeDocument/2006/relationships" xmlns:p="http://schemas.openxmlformats.org/presentationml/2006/main">
   <p:cSld>
     <p:spTree>
@@ -4966,6 +4883,99 @@
     <p:extLst>
       <p:ext uri="{BB962C8B-B14F-4D97-AF65-F5344CB8AC3E}">
         <p14:creationId xmlns:p14="http://schemas.microsoft.com/office/powerpoint/2010/main" val="3551042810"/>
+      </p:ext>
+    </p:extLst>
+  </p:cSld>
+  <p:clrMapOvr>
+    <a:masterClrMapping/>
+  </p:clrMapOvr>
+</p:sld>
+</file>
+
+<file path=ppt/slides/slide9.xml><?xml version="1.0" encoding="utf-8"?>
+<p:sld xmlns:a="http://schemas.openxmlformats.org/drawingml/2006/main" xmlns:r="http://schemas.openxmlformats.org/officeDocument/2006/relationships" xmlns:p="http://schemas.openxmlformats.org/presentationml/2006/main">
+  <p:cSld>
+    <p:spTree>
+      <p:nvGrpSpPr>
+        <p:cNvPr id="1" name=""/>
+        <p:cNvGrpSpPr/>
+        <p:nvPr/>
+      </p:nvGrpSpPr>
+      <p:grpSpPr>
+        <a:xfrm>
+          <a:off x="0" y="0"/>
+          <a:ext cx="0" cy="0"/>
+          <a:chOff x="0" y="0"/>
+          <a:chExt cx="0" cy="0"/>
+        </a:xfrm>
+      </p:grpSpPr>
+      <p:sp>
+        <p:nvSpPr>
+          <p:cNvPr id="2" name="Title 1">
+            <a:extLst>
+              <a:ext uri="{FF2B5EF4-FFF2-40B4-BE49-F238E27FC236}">
+                <a16:creationId xmlns:a16="http://schemas.microsoft.com/office/drawing/2014/main" id="{41283D31-6117-C745-9815-23B369E4DE8C}"/>
+              </a:ext>
+            </a:extLst>
+          </p:cNvPr>
+          <p:cNvSpPr>
+            <a:spLocks noGrp="1"/>
+          </p:cNvSpPr>
+          <p:nvPr>
+            <p:ph type="title"/>
+          </p:nvPr>
+        </p:nvSpPr>
+        <p:spPr>
+          <a:xfrm>
+            <a:off x="838200" y="-236758"/>
+            <a:ext cx="10515600" cy="1325563"/>
+          </a:xfrm>
+        </p:spPr>
+        <p:txBody>
+          <a:bodyPr/>
+          <a:lstStyle/>
+          <a:p>
+            <a:r>
+              <a:rPr lang="en-NL" dirty="0"/>
+              <a:t>Cluster-wise user distribution</a:t>
+            </a:r>
+          </a:p>
+        </p:txBody>
+      </p:sp>
+      <p:pic>
+        <p:nvPicPr>
+          <p:cNvPr id="4" name="Picture 3">
+            <a:extLst>
+              <a:ext uri="{FF2B5EF4-FFF2-40B4-BE49-F238E27FC236}">
+                <a16:creationId xmlns:a16="http://schemas.microsoft.com/office/drawing/2014/main" id="{7ECCD284-1429-BC44-A54E-CD1BF0B60560}"/>
+              </a:ext>
+            </a:extLst>
+          </p:cNvPr>
+          <p:cNvPicPr>
+            <a:picLocks noChangeAspect="1"/>
+          </p:cNvPicPr>
+          <p:nvPr/>
+        </p:nvPicPr>
+        <p:blipFill>
+          <a:blip r:embed="rId2"/>
+          <a:stretch>
+            <a:fillRect/>
+          </a:stretch>
+        </p:blipFill>
+        <p:spPr>
+          <a:xfrm>
+            <a:off x="1643605" y="853446"/>
+            <a:ext cx="8079129" cy="6004554"/>
+          </a:xfrm>
+          <a:prstGeom prst="rect">
+            <a:avLst/>
+          </a:prstGeom>
+        </p:spPr>
+      </p:pic>
+    </p:spTree>
+    <p:extLst>
+      <p:ext uri="{BB962C8B-B14F-4D97-AF65-F5344CB8AC3E}">
+        <p14:creationId xmlns:p14="http://schemas.microsoft.com/office/powerpoint/2010/main" val="176992535"/>
       </p:ext>
     </p:extLst>
   </p:cSld>
